--- a/Source/Технический проект 2 год (22.05.2017).pptx
+++ b/Source/Технический проект 2 год (22.05.2017).pptx
@@ -116,6 +116,22 @@
       </a:defRPr>
     </a:lvl9pPr>
   </p:defaultTextStyle>
+  <p:extLst>
+    <p:ext uri="{EFAFB233-063F-42B5-8137-9DF3F51BA10A}">
+      <p15:sldGuideLst xmlns:p15="http://schemas.microsoft.com/office/powerpoint/2012/main">
+        <p15:guide id="1" orient="horz" pos="5103">
+          <p15:clr>
+            <a:srgbClr val="A4A3A4"/>
+          </p15:clr>
+        </p15:guide>
+        <p15:guide id="2" pos="2880">
+          <p15:clr>
+            <a:srgbClr val="A4A3A4"/>
+          </p15:clr>
+        </p15:guide>
+      </p15:sldGuideLst>
+    </p:ext>
+  </p:extLst>
 </p:presentation>
 </file>
 
@@ -201,7 +217,7 @@
           <a:p>
             <a:fld id="{6401DE81-5D90-472E-AAA8-BEE912F8E78D}" type="datetimeFigureOut">
               <a:rPr lang="ru-RU" smtClean="0"/>
-              <a:t>23.05.2017</a:t>
+              <a:t>27.05.2017</a:t>
             </a:fld>
             <a:endParaRPr lang="ru-RU"/>
           </a:p>
@@ -819,7 +835,7 @@
             <a:fld id="{6888E58D-D55F-41EA-867F-B324D66C5CB1}" type="datetimeFigureOut">
               <a:rPr lang="ru-RU" smtClean="0"/>
               <a:pPr/>
-              <a:t>23.05.2017</a:t>
+              <a:t>27.05.2017</a:t>
             </a:fld>
             <a:endParaRPr lang="ru-RU"/>
           </a:p>
@@ -986,7 +1002,7 @@
             <a:fld id="{6888E58D-D55F-41EA-867F-B324D66C5CB1}" type="datetimeFigureOut">
               <a:rPr lang="ru-RU" smtClean="0"/>
               <a:pPr/>
-              <a:t>23.05.2017</a:t>
+              <a:t>27.05.2017</a:t>
             </a:fld>
             <a:endParaRPr lang="ru-RU"/>
           </a:p>
@@ -1163,7 +1179,7 @@
             <a:fld id="{6888E58D-D55F-41EA-867F-B324D66C5CB1}" type="datetimeFigureOut">
               <a:rPr lang="ru-RU" smtClean="0"/>
               <a:pPr/>
-              <a:t>23.05.2017</a:t>
+              <a:t>27.05.2017</a:t>
             </a:fld>
             <a:endParaRPr lang="ru-RU"/>
           </a:p>
@@ -1330,7 +1346,7 @@
             <a:fld id="{6888E58D-D55F-41EA-867F-B324D66C5CB1}" type="datetimeFigureOut">
               <a:rPr lang="ru-RU" smtClean="0"/>
               <a:pPr/>
-              <a:t>23.05.2017</a:t>
+              <a:t>27.05.2017</a:t>
             </a:fld>
             <a:endParaRPr lang="ru-RU"/>
           </a:p>
@@ -1573,7 +1589,7 @@
             <a:fld id="{6888E58D-D55F-41EA-867F-B324D66C5CB1}" type="datetimeFigureOut">
               <a:rPr lang="ru-RU" smtClean="0"/>
               <a:pPr/>
-              <a:t>23.05.2017</a:t>
+              <a:t>27.05.2017</a:t>
             </a:fld>
             <a:endParaRPr lang="ru-RU"/>
           </a:p>
@@ -1858,7 +1874,7 @@
             <a:fld id="{6888E58D-D55F-41EA-867F-B324D66C5CB1}" type="datetimeFigureOut">
               <a:rPr lang="ru-RU" smtClean="0"/>
               <a:pPr/>
-              <a:t>23.05.2017</a:t>
+              <a:t>27.05.2017</a:t>
             </a:fld>
             <a:endParaRPr lang="ru-RU"/>
           </a:p>
@@ -2282,7 +2298,7 @@
             <a:fld id="{6888E58D-D55F-41EA-867F-B324D66C5CB1}" type="datetimeFigureOut">
               <a:rPr lang="ru-RU" smtClean="0"/>
               <a:pPr/>
-              <a:t>23.05.2017</a:t>
+              <a:t>27.05.2017</a:t>
             </a:fld>
             <a:endParaRPr lang="ru-RU"/>
           </a:p>
@@ -2397,7 +2413,7 @@
             <a:fld id="{6888E58D-D55F-41EA-867F-B324D66C5CB1}" type="datetimeFigureOut">
               <a:rPr lang="ru-RU" smtClean="0"/>
               <a:pPr/>
-              <a:t>23.05.2017</a:t>
+              <a:t>27.05.2017</a:t>
             </a:fld>
             <a:endParaRPr lang="ru-RU"/>
           </a:p>
@@ -2489,7 +2505,7 @@
             <a:fld id="{6888E58D-D55F-41EA-867F-B324D66C5CB1}" type="datetimeFigureOut">
               <a:rPr lang="ru-RU" smtClean="0"/>
               <a:pPr/>
-              <a:t>23.05.2017</a:t>
+              <a:t>27.05.2017</a:t>
             </a:fld>
             <a:endParaRPr lang="ru-RU"/>
           </a:p>
@@ -2763,7 +2779,7 @@
             <a:fld id="{6888E58D-D55F-41EA-867F-B324D66C5CB1}" type="datetimeFigureOut">
               <a:rPr lang="ru-RU" smtClean="0"/>
               <a:pPr/>
-              <a:t>23.05.2017</a:t>
+              <a:t>27.05.2017</a:t>
             </a:fld>
             <a:endParaRPr lang="ru-RU"/>
           </a:p>
@@ -3013,7 +3029,7 @@
             <a:fld id="{6888E58D-D55F-41EA-867F-B324D66C5CB1}" type="datetimeFigureOut">
               <a:rPr lang="ru-RU" smtClean="0"/>
               <a:pPr/>
-              <a:t>23.05.2017</a:t>
+              <a:t>27.05.2017</a:t>
             </a:fld>
             <a:endParaRPr lang="ru-RU"/>
           </a:p>
@@ -3223,7 +3239,7 @@
             <a:fld id="{6888E58D-D55F-41EA-867F-B324D66C5CB1}" type="datetimeFigureOut">
               <a:rPr lang="ru-RU" smtClean="0"/>
               <a:pPr/>
-              <a:t>23.05.2017</a:t>
+              <a:t>27.05.2017</a:t>
             </a:fld>
             <a:endParaRPr lang="ru-RU"/>
           </a:p>
@@ -5485,11 +5501,41 @@
                 <a:tableStyleId>{5C22544A-7EE6-4342-B048-85BDC9FD1C3A}</a:tableStyleId>
               </a:tblPr>
               <a:tblGrid>
-                <a:gridCol w="508298"/>
-                <a:gridCol w="1728192"/>
-                <a:gridCol w="1080120"/>
-                <a:gridCol w="2192511"/>
-                <a:gridCol w="827584"/>
+                <a:gridCol w="508298">
+                  <a:extLst>
+                    <a:ext uri="{9D8B030D-6E8A-4147-A177-3AD203B41FA5}">
+                      <a16:colId xmlns:a16="http://schemas.microsoft.com/office/drawing/2014/main" val="20000"/>
+                    </a:ext>
+                  </a:extLst>
+                </a:gridCol>
+                <a:gridCol w="1728192">
+                  <a:extLst>
+                    <a:ext uri="{9D8B030D-6E8A-4147-A177-3AD203B41FA5}">
+                      <a16:colId xmlns:a16="http://schemas.microsoft.com/office/drawing/2014/main" val="20001"/>
+                    </a:ext>
+                  </a:extLst>
+                </a:gridCol>
+                <a:gridCol w="1080120">
+                  <a:extLst>
+                    <a:ext uri="{9D8B030D-6E8A-4147-A177-3AD203B41FA5}">
+                      <a16:colId xmlns:a16="http://schemas.microsoft.com/office/drawing/2014/main" val="20002"/>
+                    </a:ext>
+                  </a:extLst>
+                </a:gridCol>
+                <a:gridCol w="2192511">
+                  <a:extLst>
+                    <a:ext uri="{9D8B030D-6E8A-4147-A177-3AD203B41FA5}">
+                      <a16:colId xmlns:a16="http://schemas.microsoft.com/office/drawing/2014/main" val="20003"/>
+                    </a:ext>
+                  </a:extLst>
+                </a:gridCol>
+                <a:gridCol w="827584">
+                  <a:extLst>
+                    <a:ext uri="{9D8B030D-6E8A-4147-A177-3AD203B41FA5}">
+                      <a16:colId xmlns:a16="http://schemas.microsoft.com/office/drawing/2014/main" val="20004"/>
+                    </a:ext>
+                  </a:extLst>
+                </a:gridCol>
               </a:tblGrid>
               <a:tr h="312039">
                 <a:tc>
@@ -5549,20 +5595,7 @@
                           <a:ea typeface="+mn-ea"/>
                           <a:cs typeface="+mn-cs"/>
                         </a:rPr>
-                        <a:t>Наименование </a:t>
-                      </a:r>
-                      <a:r>
-                        <a:rPr lang="ru-RU" sz="900" kern="1200" dirty="0" smtClean="0">
-                          <a:solidFill>
-                            <a:schemeClr val="bg1">
-                              <a:lumMod val="65000"/>
-                            </a:schemeClr>
-                          </a:solidFill>
-                          <a:latin typeface="HelveticaNeueCyr" pitchFamily="50" charset="-52"/>
-                          <a:ea typeface="+mn-ea"/>
-                          <a:cs typeface="+mn-cs"/>
-                        </a:rPr>
-                        <a:t>помещения</a:t>
+                        <a:t>Наименование помещения</a:t>
                       </a:r>
                       <a:endParaRPr lang="ru-RU" sz="900" kern="1200" dirty="0">
                         <a:solidFill>
@@ -5723,6 +5756,11 @@
                     </a:solidFill>
                   </a:tcPr>
                 </a:tc>
+                <a:extLst>
+                  <a:ext uri="{0D108BD9-81ED-4DB2-BD59-A6C34878D82A}">
+                    <a16:rowId xmlns:a16="http://schemas.microsoft.com/office/drawing/2014/main" val="10000"/>
+                  </a:ext>
+                </a:extLst>
               </a:tr>
               <a:tr h="176015">
                 <a:tc>
@@ -5913,6 +5951,11 @@
                     </a:solidFill>
                   </a:tcPr>
                 </a:tc>
+                <a:extLst>
+                  <a:ext uri="{0D108BD9-81ED-4DB2-BD59-A6C34878D82A}">
+                    <a16:rowId xmlns:a16="http://schemas.microsoft.com/office/drawing/2014/main" val="10001"/>
+                  </a:ext>
+                </a:extLst>
               </a:tr>
               <a:tr h="314217">
                 <a:tc>
@@ -6225,6 +6268,11 @@
                     </a:solidFill>
                   </a:tcPr>
                 </a:tc>
+                <a:extLst>
+                  <a:ext uri="{0D108BD9-81ED-4DB2-BD59-A6C34878D82A}">
+                    <a16:rowId xmlns:a16="http://schemas.microsoft.com/office/drawing/2014/main" val="10002"/>
+                  </a:ext>
+                </a:extLst>
               </a:tr>
               <a:tr h="314217">
                 <a:tc>
@@ -6540,6 +6588,11 @@
                     </a:solidFill>
                   </a:tcPr>
                 </a:tc>
+                <a:extLst>
+                  <a:ext uri="{0D108BD9-81ED-4DB2-BD59-A6C34878D82A}">
+                    <a16:rowId xmlns:a16="http://schemas.microsoft.com/office/drawing/2014/main" val="10003"/>
+                  </a:ext>
+                </a:extLst>
               </a:tr>
               <a:tr h="314217">
                 <a:tc>
@@ -6707,6 +6760,11 @@
                     </a:solidFill>
                   </a:tcPr>
                 </a:tc>
+                <a:extLst>
+                  <a:ext uri="{0D108BD9-81ED-4DB2-BD59-A6C34878D82A}">
+                    <a16:rowId xmlns:a16="http://schemas.microsoft.com/office/drawing/2014/main" val="10004"/>
+                  </a:ext>
+                </a:extLst>
               </a:tr>
             </a:tbl>
           </a:graphicData>
@@ -7208,12 +7266,6 @@
               </a:rPr>
               <a:t>Обозреватель проекта</a:t>
             </a:r>
-            <a:endParaRPr lang="ru-RU" sz="1050" b="1" dirty="0" smtClean="0">
-              <a:solidFill>
-                <a:schemeClr val="accent5"/>
-              </a:solidFill>
-              <a:latin typeface="HelveticaNeueCyr" pitchFamily="50" charset="-52"/>
-            </a:endParaRPr>
           </a:p>
         </p:txBody>
       </p:sp>
@@ -7630,12 +7682,6 @@
               </a:rPr>
               <a:t>Здание</a:t>
             </a:r>
-            <a:endParaRPr lang="ru-RU" sz="1050" b="1" dirty="0" smtClean="0">
-              <a:solidFill>
-                <a:schemeClr val="accent5"/>
-              </a:solidFill>
-              <a:latin typeface="HelveticaNeueCyr" pitchFamily="50" charset="-52"/>
-            </a:endParaRPr>
           </a:p>
         </p:txBody>
       </p:sp>
@@ -7940,11 +7986,41 @@
                 <a:tableStyleId>{2D5ABB26-0587-4C30-8999-92F81FD0307C}</a:tableStyleId>
               </a:tblPr>
               <a:tblGrid>
-                <a:gridCol w="1440161"/>
-                <a:gridCol w="1440159"/>
-                <a:gridCol w="1440160"/>
-                <a:gridCol w="1382555"/>
-                <a:gridCol w="1425759"/>
+                <a:gridCol w="1440161">
+                  <a:extLst>
+                    <a:ext uri="{9D8B030D-6E8A-4147-A177-3AD203B41FA5}">
+                      <a16:colId xmlns:a16="http://schemas.microsoft.com/office/drawing/2014/main" val="20000"/>
+                    </a:ext>
+                  </a:extLst>
+                </a:gridCol>
+                <a:gridCol w="1440159">
+                  <a:extLst>
+                    <a:ext uri="{9D8B030D-6E8A-4147-A177-3AD203B41FA5}">
+                      <a16:colId xmlns:a16="http://schemas.microsoft.com/office/drawing/2014/main" val="20001"/>
+                    </a:ext>
+                  </a:extLst>
+                </a:gridCol>
+                <a:gridCol w="1440160">
+                  <a:extLst>
+                    <a:ext uri="{9D8B030D-6E8A-4147-A177-3AD203B41FA5}">
+                      <a16:colId xmlns:a16="http://schemas.microsoft.com/office/drawing/2014/main" val="20002"/>
+                    </a:ext>
+                  </a:extLst>
+                </a:gridCol>
+                <a:gridCol w="1382555">
+                  <a:extLst>
+                    <a:ext uri="{9D8B030D-6E8A-4147-A177-3AD203B41FA5}">
+                      <a16:colId xmlns:a16="http://schemas.microsoft.com/office/drawing/2014/main" val="20003"/>
+                    </a:ext>
+                  </a:extLst>
+                </a:gridCol>
+                <a:gridCol w="1425759">
+                  <a:extLst>
+                    <a:ext uri="{9D8B030D-6E8A-4147-A177-3AD203B41FA5}">
+                      <a16:colId xmlns:a16="http://schemas.microsoft.com/office/drawing/2014/main" val="20004"/>
+                    </a:ext>
+                  </a:extLst>
+                </a:gridCol>
               </a:tblGrid>
               <a:tr h="344686">
                 <a:tc>
@@ -8636,6 +8712,11 @@
                     </a:lnBlToTr>
                   </a:tcPr>
                 </a:tc>
+                <a:extLst>
+                  <a:ext uri="{0D108BD9-81ED-4DB2-BD59-A6C34878D82A}">
+                    <a16:rowId xmlns:a16="http://schemas.microsoft.com/office/drawing/2014/main" val="10000"/>
+                  </a:ext>
+                </a:extLst>
               </a:tr>
               <a:tr h="626760">
                 <a:tc>
@@ -9277,6 +9358,11 @@
                     </a:lnBlToTr>
                   </a:tcPr>
                 </a:tc>
+                <a:extLst>
+                  <a:ext uri="{0D108BD9-81ED-4DB2-BD59-A6C34878D82A}">
+                    <a16:rowId xmlns:a16="http://schemas.microsoft.com/office/drawing/2014/main" val="10001"/>
+                  </a:ext>
+                </a:extLst>
               </a:tr>
               <a:tr h="370840">
                 <a:tc>
@@ -9811,6 +9897,11 @@
                     </a:lnBlToTr>
                   </a:tcPr>
                 </a:tc>
+                <a:extLst>
+                  <a:ext uri="{0D108BD9-81ED-4DB2-BD59-A6C34878D82A}">
+                    <a16:rowId xmlns:a16="http://schemas.microsoft.com/office/drawing/2014/main" val="10002"/>
+                  </a:ext>
+                </a:extLst>
               </a:tr>
             </a:tbl>
           </a:graphicData>
@@ -17688,8 +17779,20 @@
                 <a:tableStyleId>{5940675A-B579-460E-94D1-54222C63F5DA}</a:tableStyleId>
               </a:tblPr>
               <a:tblGrid>
-                <a:gridCol w="2264012"/>
-                <a:gridCol w="386270"/>
+                <a:gridCol w="2264012">
+                  <a:extLst>
+                    <a:ext uri="{9D8B030D-6E8A-4147-A177-3AD203B41FA5}">
+                      <a16:colId xmlns:a16="http://schemas.microsoft.com/office/drawing/2014/main" val="20000"/>
+                    </a:ext>
+                  </a:extLst>
+                </a:gridCol>
+                <a:gridCol w="386270">
+                  <a:extLst>
+                    <a:ext uri="{9D8B030D-6E8A-4147-A177-3AD203B41FA5}">
+                      <a16:colId xmlns:a16="http://schemas.microsoft.com/office/drawing/2014/main" val="20001"/>
+                    </a:ext>
+                  </a:extLst>
+                </a:gridCol>
               </a:tblGrid>
               <a:tr h="0">
                 <a:tc>
@@ -17800,6 +17903,11 @@
                     </a:lnB>
                   </a:tcPr>
                 </a:tc>
+                <a:extLst>
+                  <a:ext uri="{0D108BD9-81ED-4DB2-BD59-A6C34878D82A}">
+                    <a16:rowId xmlns:a16="http://schemas.microsoft.com/office/drawing/2014/main" val="10000"/>
+                  </a:ext>
+                </a:extLst>
               </a:tr>
               <a:tr h="292157">
                 <a:tc>
@@ -17910,6 +18018,11 @@
                     </a:lnT>
                   </a:tcPr>
                 </a:tc>
+                <a:extLst>
+                  <a:ext uri="{0D108BD9-81ED-4DB2-BD59-A6C34878D82A}">
+                    <a16:rowId xmlns:a16="http://schemas.microsoft.com/office/drawing/2014/main" val="10001"/>
+                  </a:ext>
+                </a:extLst>
               </a:tr>
             </a:tbl>
           </a:graphicData>
@@ -22258,7 +22371,13 @@
           <p:cNvGraphicFramePr>
             <a:graphicFrameLocks noGrp="1"/>
           </p:cNvGraphicFramePr>
-          <p:nvPr/>
+          <p:nvPr>
+            <p:extLst>
+              <p:ext uri="{D42A27DB-BD31-4B8C-83A1-F6EECF244321}">
+                <p14:modId xmlns:p14="http://schemas.microsoft.com/office/powerpoint/2010/main" val="3571071779"/>
+              </p:ext>
+            </p:extLst>
+          </p:nvPr>
         </p:nvGraphicFramePr>
         <p:xfrm>
           <a:off x="1835696" y="2127623"/>
@@ -22271,11 +22390,41 @@
                 <a:tableStyleId>{2D5ABB26-0587-4C30-8999-92F81FD0307C}</a:tableStyleId>
               </a:tblPr>
               <a:tblGrid>
-                <a:gridCol w="1440161"/>
-                <a:gridCol w="1440159"/>
-                <a:gridCol w="1440160"/>
-                <a:gridCol w="1382555"/>
-                <a:gridCol w="1425759"/>
+                <a:gridCol w="1440161">
+                  <a:extLst>
+                    <a:ext uri="{9D8B030D-6E8A-4147-A177-3AD203B41FA5}">
+                      <a16:colId xmlns:a16="http://schemas.microsoft.com/office/drawing/2014/main" val="20000"/>
+                    </a:ext>
+                  </a:extLst>
+                </a:gridCol>
+                <a:gridCol w="1440159">
+                  <a:extLst>
+                    <a:ext uri="{9D8B030D-6E8A-4147-A177-3AD203B41FA5}">
+                      <a16:colId xmlns:a16="http://schemas.microsoft.com/office/drawing/2014/main" val="20001"/>
+                    </a:ext>
+                  </a:extLst>
+                </a:gridCol>
+                <a:gridCol w="1440160">
+                  <a:extLst>
+                    <a:ext uri="{9D8B030D-6E8A-4147-A177-3AD203B41FA5}">
+                      <a16:colId xmlns:a16="http://schemas.microsoft.com/office/drawing/2014/main" val="20002"/>
+                    </a:ext>
+                  </a:extLst>
+                </a:gridCol>
+                <a:gridCol w="1382555">
+                  <a:extLst>
+                    <a:ext uri="{9D8B030D-6E8A-4147-A177-3AD203B41FA5}">
+                      <a16:colId xmlns:a16="http://schemas.microsoft.com/office/drawing/2014/main" val="20003"/>
+                    </a:ext>
+                  </a:extLst>
+                </a:gridCol>
+                <a:gridCol w="1425759">
+                  <a:extLst>
+                    <a:ext uri="{9D8B030D-6E8A-4147-A177-3AD203B41FA5}">
+                      <a16:colId xmlns:a16="http://schemas.microsoft.com/office/drawing/2014/main" val="20004"/>
+                    </a:ext>
+                  </a:extLst>
+                </a:gridCol>
               </a:tblGrid>
               <a:tr h="344686">
                 <a:tc>
@@ -22962,6 +23111,11 @@
                     </a:lnBlToTr>
                   </a:tcPr>
                 </a:tc>
+                <a:extLst>
+                  <a:ext uri="{0D108BD9-81ED-4DB2-BD59-A6C34878D82A}">
+                    <a16:rowId xmlns:a16="http://schemas.microsoft.com/office/drawing/2014/main" val="10000"/>
+                  </a:ext>
+                </a:extLst>
               </a:tr>
               <a:tr h="626760">
                 <a:tc>
@@ -23615,6 +23769,11 @@
                     </a:lnBlToTr>
                   </a:tcPr>
                 </a:tc>
+                <a:extLst>
+                  <a:ext uri="{0D108BD9-81ED-4DB2-BD59-A6C34878D82A}">
+                    <a16:rowId xmlns:a16="http://schemas.microsoft.com/office/drawing/2014/main" val="10001"/>
+                  </a:ext>
+                </a:extLst>
               </a:tr>
               <a:tr h="370840">
                 <a:tc>
@@ -24158,6 +24317,11 @@
                     </a:lnBlToTr>
                   </a:tcPr>
                 </a:tc>
+                <a:extLst>
+                  <a:ext uri="{0D108BD9-81ED-4DB2-BD59-A6C34878D82A}">
+                    <a16:rowId xmlns:a16="http://schemas.microsoft.com/office/drawing/2014/main" val="10002"/>
+                  </a:ext>
+                </a:extLst>
               </a:tr>
             </a:tbl>
           </a:graphicData>
@@ -29454,11 +29618,17 @@
           <p:cNvGraphicFramePr>
             <a:graphicFrameLocks noGrp="1"/>
           </p:cNvGraphicFramePr>
-          <p:nvPr/>
+          <p:nvPr>
+            <p:extLst>
+              <p:ext uri="{D42A27DB-BD31-4B8C-83A1-F6EECF244321}">
+                <p14:modId xmlns:p14="http://schemas.microsoft.com/office/powerpoint/2010/main" val="2472687935"/>
+              </p:ext>
+            </p:extLst>
+          </p:nvPr>
         </p:nvGraphicFramePr>
         <p:xfrm>
-          <a:off x="-1908720" y="7596956"/>
-          <a:ext cx="2650282" cy="1818578"/>
+          <a:off x="-1472004" y="7761116"/>
+          <a:ext cx="2650282" cy="1678687"/>
         </p:xfrm>
         <a:graphic>
           <a:graphicData uri="http://schemas.openxmlformats.org/drawingml/2006/table">
@@ -29467,8 +29637,20 @@
                 <a:tableStyleId>{5940675A-B579-460E-94D1-54222C63F5DA}</a:tableStyleId>
               </a:tblPr>
               <a:tblGrid>
-                <a:gridCol w="2264012"/>
-                <a:gridCol w="386270"/>
+                <a:gridCol w="2264012">
+                  <a:extLst>
+                    <a:ext uri="{9D8B030D-6E8A-4147-A177-3AD203B41FA5}">
+                      <a16:colId xmlns:a16="http://schemas.microsoft.com/office/drawing/2014/main" val="20000"/>
+                    </a:ext>
+                  </a:extLst>
+                </a:gridCol>
+                <a:gridCol w="386270">
+                  <a:extLst>
+                    <a:ext uri="{9D8B030D-6E8A-4147-A177-3AD203B41FA5}">
+                      <a16:colId xmlns:a16="http://schemas.microsoft.com/office/drawing/2014/main" val="20001"/>
+                    </a:ext>
+                  </a:extLst>
+                </a:gridCol>
               </a:tblGrid>
               <a:tr h="0">
                 <a:tc>
@@ -29485,14 +29667,14 @@
                         </a:spcAft>
                       </a:pPr>
                       <a:r>
-                        <a:rPr lang="ru-RU" sz="900" spc="-10">
+                        <a:rPr lang="ru-RU" sz="900" spc="-10" dirty="0">
                           <a:latin typeface="Arial"/>
                           <a:ea typeface="Times New Roman"/>
                           <a:cs typeface="Times New Roman"/>
                         </a:rPr>
                         <a:t>Легковоспламеняющиеся и горючие жидкости, нагретые до температуры вспышки и выше</a:t>
                       </a:r>
-                      <a:endParaRPr lang="ru-RU" sz="1000">
+                      <a:endParaRPr lang="ru-RU" sz="1000" dirty="0">
                         <a:latin typeface="Arial"/>
                         <a:ea typeface="Times New Roman"/>
                         <a:cs typeface="Times New Roman"/>
@@ -29577,6 +29759,11 @@
                     </a:lnB>
                   </a:tcPr>
                 </a:tc>
+                <a:extLst>
+                  <a:ext uri="{0D108BD9-81ED-4DB2-BD59-A6C34878D82A}">
+                    <a16:rowId xmlns:a16="http://schemas.microsoft.com/office/drawing/2014/main" val="10000"/>
+                  </a:ext>
+                </a:extLst>
               </a:tr>
               <a:tr h="292157">
                 <a:tc>
@@ -29593,7 +29780,7 @@
                         </a:spcAft>
                       </a:pPr>
                       <a:r>
-                        <a:rPr lang="ru-RU" sz="900">
+                        <a:rPr lang="ru-RU" sz="900" dirty="0">
                           <a:latin typeface="Arial"/>
                           <a:ea typeface="Times New Roman"/>
                           <a:cs typeface="Times New Roman"/>
@@ -29601,21 +29788,21 @@
                         <a:t>Легковоспламеняющиеся и горючие жидкости, нагретые ниже температуры вспышки, </a:t>
                       </a:r>
                       <a:br>
-                        <a:rPr lang="ru-RU" sz="900">
+                        <a:rPr lang="ru-RU" sz="900" dirty="0">
                           <a:latin typeface="Arial"/>
                           <a:ea typeface="Times New Roman"/>
                           <a:cs typeface="Times New Roman"/>
                         </a:rPr>
                       </a:br>
                       <a:r>
-                        <a:rPr lang="ru-RU" sz="900">
+                        <a:rPr lang="ru-RU" sz="900" dirty="0">
                           <a:latin typeface="Arial"/>
                           <a:ea typeface="Times New Roman"/>
                           <a:cs typeface="Times New Roman"/>
                         </a:rPr>
                         <a:t>при наличии возможности образования аэрозоля</a:t>
                       </a:r>
-                      <a:endParaRPr lang="ru-RU" sz="1000">
+                      <a:endParaRPr lang="ru-RU" sz="1000" dirty="0">
                         <a:latin typeface="Arial"/>
                         <a:ea typeface="Times New Roman"/>
                         <a:cs typeface="Times New Roman"/>
@@ -29672,14 +29859,14 @@
                         </a:spcAft>
                       </a:pPr>
                       <a:r>
-                        <a:rPr lang="ru-RU" sz="900">
+                        <a:rPr lang="ru-RU" sz="900" dirty="0">
                           <a:latin typeface="Arial"/>
                           <a:ea typeface="Times New Roman"/>
                           <a:cs typeface="Times New Roman"/>
                         </a:rPr>
                         <a:t>0,3</a:t>
                       </a:r>
-                      <a:endParaRPr lang="ru-RU" sz="1000">
+                      <a:endParaRPr lang="ru-RU" sz="1000" dirty="0">
                         <a:latin typeface="Arial"/>
                         <a:ea typeface="Times New Roman"/>
                         <a:cs typeface="Times New Roman"/>
@@ -29722,6 +29909,11 @@
                     </a:lnB>
                   </a:tcPr>
                 </a:tc>
+                <a:extLst>
+                  <a:ext uri="{0D108BD9-81ED-4DB2-BD59-A6C34878D82A}">
+                    <a16:rowId xmlns:a16="http://schemas.microsoft.com/office/drawing/2014/main" val="10001"/>
+                  </a:ext>
+                </a:extLst>
               </a:tr>
               <a:tr h="292157">
                 <a:tc>
@@ -29738,29 +29930,30 @@
                         </a:spcAft>
                       </a:pPr>
                       <a:r>
-                        <a:rPr lang="ru-RU" sz="900">
+                        <a:rPr lang="ru-RU" sz="900" dirty="0">
                           <a:latin typeface="Arial"/>
                           <a:ea typeface="Times New Roman"/>
                           <a:cs typeface="Times New Roman"/>
                         </a:rPr>
                         <a:t>Легковоспламеняющиеся и горючие жидкости, нагретые ниже температуры вспышки, </a:t>
                       </a:r>
-                      <a:br>
-                        <a:rPr lang="ru-RU" sz="900">
+                      <a:r>
+                        <a:rPr lang="ru-RU" sz="900" dirty="0" smtClean="0">
                           <a:latin typeface="Arial"/>
                           <a:ea typeface="Times New Roman"/>
                           <a:cs typeface="Times New Roman"/>
                         </a:rPr>
-                      </a:br>
+                        <a:t>при </a:t>
+                      </a:r>
                       <a:r>
-                        <a:rPr lang="ru-RU" sz="900">
+                        <a:rPr lang="ru-RU" sz="900" dirty="0">
                           <a:latin typeface="Arial"/>
                           <a:ea typeface="Times New Roman"/>
                           <a:cs typeface="Times New Roman"/>
                         </a:rPr>
-                        <a:t>при отсутствии возможности образования аэрозоля</a:t>
+                        <a:t>отсутствии возможности образования аэрозоля</a:t>
                       </a:r>
-                      <a:endParaRPr lang="ru-RU" sz="1000">
+                      <a:endParaRPr lang="ru-RU" sz="1000" dirty="0">
                         <a:latin typeface="Arial"/>
                         <a:ea typeface="Times New Roman"/>
                         <a:cs typeface="Times New Roman"/>
@@ -29845,6 +30038,11 @@
                     </a:lnT>
                   </a:tcPr>
                 </a:tc>
+                <a:extLst>
+                  <a:ext uri="{0D108BD9-81ED-4DB2-BD59-A6C34878D82A}">
+                    <a16:rowId xmlns:a16="http://schemas.microsoft.com/office/drawing/2014/main" val="10002"/>
+                  </a:ext>
+                </a:extLst>
               </a:tr>
             </a:tbl>
           </a:graphicData>
@@ -34748,7 +34946,13 @@
           <p:cNvGraphicFramePr>
             <a:graphicFrameLocks noGrp="1"/>
           </p:cNvGraphicFramePr>
-          <p:nvPr/>
+          <p:nvPr>
+            <p:extLst>
+              <p:ext uri="{D42A27DB-BD31-4B8C-83A1-F6EECF244321}">
+                <p14:modId xmlns:p14="http://schemas.microsoft.com/office/powerpoint/2010/main" val="3291776673"/>
+              </p:ext>
+            </p:extLst>
+          </p:nvPr>
         </p:nvGraphicFramePr>
         <p:xfrm>
           <a:off x="9828584" y="6228804"/>
@@ -34759,12 +34963,48 @@
             <a:tbl>
               <a:tblPr/>
               <a:tblGrid>
-                <a:gridCol w="962097"/>
-                <a:gridCol w="757853"/>
-                <a:gridCol w="757853"/>
-                <a:gridCol w="757853"/>
-                <a:gridCol w="758435"/>
-                <a:gridCol w="758435"/>
+                <a:gridCol w="1008112">
+                  <a:extLst>
+                    <a:ext uri="{9D8B030D-6E8A-4147-A177-3AD203B41FA5}">
+                      <a16:colId xmlns:a16="http://schemas.microsoft.com/office/drawing/2014/main" val="20000"/>
+                    </a:ext>
+                  </a:extLst>
+                </a:gridCol>
+                <a:gridCol w="711838">
+                  <a:extLst>
+                    <a:ext uri="{9D8B030D-6E8A-4147-A177-3AD203B41FA5}">
+                      <a16:colId xmlns:a16="http://schemas.microsoft.com/office/drawing/2014/main" val="20001"/>
+                    </a:ext>
+                  </a:extLst>
+                </a:gridCol>
+                <a:gridCol w="757853">
+                  <a:extLst>
+                    <a:ext uri="{9D8B030D-6E8A-4147-A177-3AD203B41FA5}">
+                      <a16:colId xmlns:a16="http://schemas.microsoft.com/office/drawing/2014/main" val="20002"/>
+                    </a:ext>
+                  </a:extLst>
+                </a:gridCol>
+                <a:gridCol w="757853">
+                  <a:extLst>
+                    <a:ext uri="{9D8B030D-6E8A-4147-A177-3AD203B41FA5}">
+                      <a16:colId xmlns:a16="http://schemas.microsoft.com/office/drawing/2014/main" val="20003"/>
+                    </a:ext>
+                  </a:extLst>
+                </a:gridCol>
+                <a:gridCol w="758435">
+                  <a:extLst>
+                    <a:ext uri="{9D8B030D-6E8A-4147-A177-3AD203B41FA5}">
+                      <a16:colId xmlns:a16="http://schemas.microsoft.com/office/drawing/2014/main" val="20004"/>
+                    </a:ext>
+                  </a:extLst>
+                </a:gridCol>
+                <a:gridCol w="758435">
+                  <a:extLst>
+                    <a:ext uri="{9D8B030D-6E8A-4147-A177-3AD203B41FA5}">
+                      <a16:colId xmlns:a16="http://schemas.microsoft.com/office/drawing/2014/main" val="20005"/>
+                    </a:ext>
+                  </a:extLst>
+                </a:gridCol>
               </a:tblGrid>
               <a:tr h="216033">
                 <a:tc rowSpan="2">
@@ -34801,7 +35041,23 @@
                           <a:ea typeface="Times New Roman"/>
                           <a:cs typeface="Times New Roman"/>
                         </a:rPr>
-                        <a:t>в помещении, м </a:t>
+                        <a:t>в </a:t>
+                      </a:r>
+                      <a:r>
+                        <a:rPr lang="ru-RU" sz="800" dirty="0" smtClean="0">
+                          <a:latin typeface="Arial"/>
+                          <a:ea typeface="Times New Roman"/>
+                          <a:cs typeface="Times New Roman"/>
+                        </a:rPr>
+                        <a:t>помещении, </a:t>
+                      </a:r>
+                      <a:r>
+                        <a:rPr lang="ru-RU" sz="800" dirty="0">
+                          <a:latin typeface="Arial"/>
+                          <a:ea typeface="Times New Roman"/>
+                          <a:cs typeface="Times New Roman"/>
+                        </a:rPr>
+                        <a:t>м </a:t>
                       </a:r>
                       <a:r>
                         <a:rPr lang="ru-RU" sz="800" dirty="0">
@@ -35034,6 +35290,11 @@
                   </a:txBody>
                   <a:tcPr/>
                 </a:tc>
+                <a:extLst>
+                  <a:ext uri="{0D108BD9-81ED-4DB2-BD59-A6C34878D82A}">
+                    <a16:rowId xmlns:a16="http://schemas.microsoft.com/office/drawing/2014/main" val="10000"/>
+                  </a:ext>
+                </a:extLst>
               </a:tr>
               <a:tr h="359987">
                 <a:tc vMerge="1">
@@ -35381,6 +35642,11 @@
                     </a:lnB>
                   </a:tcPr>
                 </a:tc>
+                <a:extLst>
+                  <a:ext uri="{0D108BD9-81ED-4DB2-BD59-A6C34878D82A}">
+                    <a16:rowId xmlns:a16="http://schemas.microsoft.com/office/drawing/2014/main" val="10001"/>
+                  </a:ext>
+                </a:extLst>
               </a:tr>
               <a:tr h="216033">
                 <a:tc>
@@ -35785,6 +36051,11 @@
                     </a:lnB>
                   </a:tcPr>
                 </a:tc>
+                <a:extLst>
+                  <a:ext uri="{0D108BD9-81ED-4DB2-BD59-A6C34878D82A}">
+                    <a16:rowId xmlns:a16="http://schemas.microsoft.com/office/drawing/2014/main" val="10002"/>
+                  </a:ext>
+                </a:extLst>
               </a:tr>
               <a:tr h="216033">
                 <a:tc>
@@ -36189,6 +36460,11 @@
                     </a:lnB>
                   </a:tcPr>
                 </a:tc>
+                <a:extLst>
+                  <a:ext uri="{0D108BD9-81ED-4DB2-BD59-A6C34878D82A}">
+                    <a16:rowId xmlns:a16="http://schemas.microsoft.com/office/drawing/2014/main" val="10003"/>
+                  </a:ext>
+                </a:extLst>
               </a:tr>
               <a:tr h="216033">
                 <a:tc>
@@ -36593,6 +36869,11 @@
                     </a:lnB>
                   </a:tcPr>
                 </a:tc>
+                <a:extLst>
+                  <a:ext uri="{0D108BD9-81ED-4DB2-BD59-A6C34878D82A}">
+                    <a16:rowId xmlns:a16="http://schemas.microsoft.com/office/drawing/2014/main" val="10004"/>
+                  </a:ext>
+                </a:extLst>
               </a:tr>
               <a:tr h="216033">
                 <a:tc>
@@ -36997,6 +37278,11 @@
                     </a:lnB>
                   </a:tcPr>
                 </a:tc>
+                <a:extLst>
+                  <a:ext uri="{0D108BD9-81ED-4DB2-BD59-A6C34878D82A}">
+                    <a16:rowId xmlns:a16="http://schemas.microsoft.com/office/drawing/2014/main" val="10005"/>
+                  </a:ext>
+                </a:extLst>
               </a:tr>
               <a:tr h="216033">
                 <a:tc>
@@ -37401,6 +37687,11 @@
                     </a:lnB>
                   </a:tcPr>
                 </a:tc>
+                <a:extLst>
+                  <a:ext uri="{0D108BD9-81ED-4DB2-BD59-A6C34878D82A}">
+                    <a16:rowId xmlns:a16="http://schemas.microsoft.com/office/drawing/2014/main" val="10006"/>
+                  </a:ext>
+                </a:extLst>
               </a:tr>
             </a:tbl>
           </a:graphicData>
@@ -39776,95 +40067,6 @@
       </p:sp>
       <p:sp>
         <p:nvSpPr>
-          <p:cNvPr id="324" name="TextBox 323"/>
-          <p:cNvSpPr txBox="1"/>
-          <p:nvPr/>
-        </p:nvSpPr>
-        <p:spPr>
-          <a:xfrm>
-            <a:off x="6372200" y="13760028"/>
-            <a:ext cx="648072" cy="230832"/>
-          </a:xfrm>
-          <a:prstGeom prst="rect">
-            <a:avLst/>
-          </a:prstGeom>
-          <a:noFill/>
-        </p:spPr>
-        <p:txBody>
-          <a:bodyPr wrap="square" rtlCol="0">
-            <a:spAutoFit/>
-          </a:bodyPr>
-          <a:lstStyle/>
-          <a:p>
-            <a:r>
-              <a:rPr lang="en-US" sz="900" b="1" dirty="0" smtClean="0">
-                <a:solidFill>
-                  <a:schemeClr val="bg1">
-                    <a:lumMod val="65000"/>
-                  </a:schemeClr>
-                </a:solidFill>
-                <a:latin typeface="HelveticaNeueCyr" pitchFamily="50" charset="-52"/>
-              </a:rPr>
-              <a:t>=</a:t>
-            </a:r>
-            <a:r>
-              <a:rPr lang="ru-RU" sz="900" b="1" dirty="0" smtClean="0">
-                <a:solidFill>
-                  <a:schemeClr val="bg1">
-                    <a:lumMod val="65000"/>
-                  </a:schemeClr>
-                </a:solidFill>
-                <a:latin typeface="HelveticaNeueCyr" pitchFamily="50" charset="-52"/>
-              </a:rPr>
-              <a:t> </a:t>
-            </a:r>
-            <a:r>
-              <a:rPr lang="ru-RU" sz="900" b="1" dirty="0" smtClean="0">
-                <a:solidFill>
-                  <a:schemeClr val="bg1">
-                    <a:lumMod val="65000"/>
-                  </a:schemeClr>
-                </a:solidFill>
-                <a:latin typeface="HelveticaNeueCyr" pitchFamily="50" charset="-52"/>
-                <a:sym typeface="Symbol"/>
-              </a:rPr>
-              <a:t></a:t>
-            </a:r>
-            <a:r>
-              <a:rPr lang="ru-RU" sz="900" dirty="0" smtClean="0">
-                <a:solidFill>
-                  <a:schemeClr val="bg1">
-                    <a:lumMod val="65000"/>
-                  </a:schemeClr>
-                </a:solidFill>
-                <a:latin typeface="HelveticaNeueCyr" pitchFamily="50" charset="-52"/>
-              </a:rPr>
-              <a:t>·</a:t>
-            </a:r>
-            <a:r>
-              <a:rPr lang="en-US" sz="900" dirty="0" smtClean="0">
-                <a:solidFill>
-                  <a:schemeClr val="bg1">
-                    <a:lumMod val="65000"/>
-                  </a:schemeClr>
-                </a:solidFill>
-                <a:latin typeface="HelveticaNeueCyr" pitchFamily="50" charset="-52"/>
-              </a:rPr>
-              <a:t>V =</a:t>
-            </a:r>
-            <a:endParaRPr lang="ru-RU" sz="900" baseline="-25000" dirty="0">
-              <a:solidFill>
-                <a:schemeClr val="bg1">
-                  <a:lumMod val="65000"/>
-                </a:schemeClr>
-              </a:solidFill>
-              <a:latin typeface="HelveticaNeueCyr" pitchFamily="50" charset="-52"/>
-            </a:endParaRPr>
-          </a:p>
-        </p:txBody>
-      </p:sp>
-      <p:sp>
-        <p:nvSpPr>
           <p:cNvPr id="326" name="TextBox 325"/>
           <p:cNvSpPr txBox="1"/>
           <p:nvPr/>
@@ -39872,7 +40074,7 @@
         <p:spPr>
           <a:xfrm>
             <a:off x="5940152" y="13760028"/>
-            <a:ext cx="543739" cy="253916"/>
+            <a:ext cx="274434" cy="253916"/>
           </a:xfrm>
           <a:prstGeom prst="rect">
             <a:avLst/>
@@ -39893,34 +40095,7 @@
                 <a:latin typeface="HelveticaNeueCyr" pitchFamily="50" charset="-52"/>
                 <a:sym typeface="Symbol"/>
               </a:rPr>
-              <a:t>m</a:t>
-            </a:r>
-            <a:r>
-              <a:rPr lang="ru-RU" sz="1050" b="1" baseline="-25000" dirty="0" smtClean="0">
-                <a:solidFill>
-                  <a:srgbClr val="C00000"/>
-                </a:solidFill>
-                <a:latin typeface="HelveticaNeueCyr" pitchFamily="50" charset="-52"/>
-              </a:rPr>
-              <a:t>П</a:t>
-            </a:r>
-            <a:r>
-              <a:rPr lang="ru-RU" sz="900" b="1" dirty="0" smtClean="0">
-                <a:solidFill>
-                  <a:srgbClr val="C00000"/>
-                </a:solidFill>
-                <a:latin typeface="HelveticaNeueCyr" pitchFamily="50" charset="-52"/>
-              </a:rPr>
-              <a:t>, </a:t>
-            </a:r>
-            <a:r>
-              <a:rPr lang="ru-RU" sz="900" dirty="0" smtClean="0">
-                <a:solidFill>
-                  <a:srgbClr val="C00000"/>
-                </a:solidFill>
-                <a:latin typeface="HelveticaNeueCyr" pitchFamily="50" charset="-52"/>
-              </a:rPr>
-              <a:t>кг</a:t>
+              <a:t>V</a:t>
             </a:r>
             <a:endParaRPr lang="ru-RU" sz="900" b="1" baseline="30000" dirty="0">
               <a:solidFill>
@@ -39962,7 +40137,7 @@
                 </a:solidFill>
                 <a:latin typeface="HelveticaNeueCyr" pitchFamily="50" charset="-52"/>
               </a:rPr>
-              <a:t>масса жидкости вышедшей в помещение</a:t>
+              <a:t>объем жидкости вышедшей в помещение</a:t>
             </a:r>
           </a:p>
         </p:txBody>
@@ -41169,6 +41344,61 @@
           </a:p>
         </p:txBody>
       </p:sp>
+      <p:sp>
+        <p:nvSpPr>
+          <p:cNvPr id="254" name="TextBox 253"/>
+          <p:cNvSpPr txBox="1"/>
+          <p:nvPr/>
+        </p:nvSpPr>
+        <p:spPr>
+          <a:xfrm>
+            <a:off x="7755222" y="14257260"/>
+            <a:ext cx="792088" cy="230832"/>
+          </a:xfrm>
+          <a:prstGeom prst="rect">
+            <a:avLst/>
+          </a:prstGeom>
+          <a:noFill/>
+        </p:spPr>
+        <p:txBody>
+          <a:bodyPr wrap="square" rtlCol="0">
+            <a:spAutoFit/>
+          </a:bodyPr>
+          <a:lstStyle/>
+          <a:p>
+            <a:r>
+              <a:rPr lang="ru-RU" sz="900" b="1" dirty="0" smtClean="0">
+                <a:solidFill>
+                  <a:schemeClr val="bg1">
+                    <a:lumMod val="65000"/>
+                  </a:schemeClr>
+                </a:solidFill>
+                <a:latin typeface="HelveticaNeueCyr" pitchFamily="50" charset="-52"/>
+              </a:rPr>
+              <a:t>Х </a:t>
+            </a:r>
+            <a:r>
+              <a:rPr lang="en-US" sz="900" b="1" dirty="0" smtClean="0">
+                <a:solidFill>
+                  <a:schemeClr val="bg1">
+                    <a:lumMod val="65000"/>
+                  </a:schemeClr>
+                </a:solidFill>
+                <a:latin typeface="HelveticaNeueCyr" pitchFamily="50" charset="-52"/>
+              </a:rPr>
+              <a:t>1</a:t>
+            </a:r>
+            <a:endParaRPr lang="ru-RU" sz="900" dirty="0">
+              <a:solidFill>
+                <a:schemeClr val="bg1">
+                  <a:lumMod val="65000"/>
+                </a:schemeClr>
+              </a:solidFill>
+              <a:latin typeface="HelveticaNeueCyr" pitchFamily="50" charset="-52"/>
+            </a:endParaRPr>
+          </a:p>
+        </p:txBody>
+      </p:sp>
     </p:spTree>
   </p:cSld>
   <p:clrMapOvr>
@@ -41286,11 +41516,41 @@
                 <a:tableStyleId>{2D5ABB26-0587-4C30-8999-92F81FD0307C}</a:tableStyleId>
               </a:tblPr>
               <a:tblGrid>
-                <a:gridCol w="1440161"/>
-                <a:gridCol w="1440159"/>
-                <a:gridCol w="1440160"/>
-                <a:gridCol w="1382555"/>
-                <a:gridCol w="1425759"/>
+                <a:gridCol w="1440161">
+                  <a:extLst>
+                    <a:ext uri="{9D8B030D-6E8A-4147-A177-3AD203B41FA5}">
+                      <a16:colId xmlns:a16="http://schemas.microsoft.com/office/drawing/2014/main" val="20000"/>
+                    </a:ext>
+                  </a:extLst>
+                </a:gridCol>
+                <a:gridCol w="1440159">
+                  <a:extLst>
+                    <a:ext uri="{9D8B030D-6E8A-4147-A177-3AD203B41FA5}">
+                      <a16:colId xmlns:a16="http://schemas.microsoft.com/office/drawing/2014/main" val="20001"/>
+                    </a:ext>
+                  </a:extLst>
+                </a:gridCol>
+                <a:gridCol w="1440160">
+                  <a:extLst>
+                    <a:ext uri="{9D8B030D-6E8A-4147-A177-3AD203B41FA5}">
+                      <a16:colId xmlns:a16="http://schemas.microsoft.com/office/drawing/2014/main" val="20002"/>
+                    </a:ext>
+                  </a:extLst>
+                </a:gridCol>
+                <a:gridCol w="1382555">
+                  <a:extLst>
+                    <a:ext uri="{9D8B030D-6E8A-4147-A177-3AD203B41FA5}">
+                      <a16:colId xmlns:a16="http://schemas.microsoft.com/office/drawing/2014/main" val="20003"/>
+                    </a:ext>
+                  </a:extLst>
+                </a:gridCol>
+                <a:gridCol w="1425759">
+                  <a:extLst>
+                    <a:ext uri="{9D8B030D-6E8A-4147-A177-3AD203B41FA5}">
+                      <a16:colId xmlns:a16="http://schemas.microsoft.com/office/drawing/2014/main" val="20004"/>
+                    </a:ext>
+                  </a:extLst>
+                </a:gridCol>
               </a:tblGrid>
               <a:tr h="344686">
                 <a:tc>
@@ -41983,6 +42243,11 @@
                     </a:lnBlToTr>
                   </a:tcPr>
                 </a:tc>
+                <a:extLst>
+                  <a:ext uri="{0D108BD9-81ED-4DB2-BD59-A6C34878D82A}">
+                    <a16:rowId xmlns:a16="http://schemas.microsoft.com/office/drawing/2014/main" val="10000"/>
+                  </a:ext>
+                </a:extLst>
               </a:tr>
               <a:tr h="626760">
                 <a:tc>
@@ -42626,6 +42891,11 @@
                     </a:lnBlToTr>
                   </a:tcPr>
                 </a:tc>
+                <a:extLst>
+                  <a:ext uri="{0D108BD9-81ED-4DB2-BD59-A6C34878D82A}">
+                    <a16:rowId xmlns:a16="http://schemas.microsoft.com/office/drawing/2014/main" val="10001"/>
+                  </a:ext>
+                </a:extLst>
               </a:tr>
               <a:tr h="370840">
                 <a:tc>
@@ -43172,6 +43442,11 @@
                     </a:lnBlToTr>
                   </a:tcPr>
                 </a:tc>
+                <a:extLst>
+                  <a:ext uri="{0D108BD9-81ED-4DB2-BD59-A6C34878D82A}">
+                    <a16:rowId xmlns:a16="http://schemas.microsoft.com/office/drawing/2014/main" val="10002"/>
+                  </a:ext>
+                </a:extLst>
               </a:tr>
             </a:tbl>
           </a:graphicData>
@@ -45266,10 +45541,34 @@
                 <a:tableStyleId>{5C22544A-7EE6-4342-B048-85BDC9FD1C3A}</a:tableStyleId>
               </a:tblPr>
               <a:tblGrid>
-                <a:gridCol w="1584176"/>
-                <a:gridCol w="1584176"/>
-                <a:gridCol w="1584176"/>
-                <a:gridCol w="1584176"/>
+                <a:gridCol w="1584176">
+                  <a:extLst>
+                    <a:ext uri="{9D8B030D-6E8A-4147-A177-3AD203B41FA5}">
+                      <a16:colId xmlns:a16="http://schemas.microsoft.com/office/drawing/2014/main" val="20000"/>
+                    </a:ext>
+                  </a:extLst>
+                </a:gridCol>
+                <a:gridCol w="1584176">
+                  <a:extLst>
+                    <a:ext uri="{9D8B030D-6E8A-4147-A177-3AD203B41FA5}">
+                      <a16:colId xmlns:a16="http://schemas.microsoft.com/office/drawing/2014/main" val="20001"/>
+                    </a:ext>
+                  </a:extLst>
+                </a:gridCol>
+                <a:gridCol w="1584176">
+                  <a:extLst>
+                    <a:ext uri="{9D8B030D-6E8A-4147-A177-3AD203B41FA5}">
+                      <a16:colId xmlns:a16="http://schemas.microsoft.com/office/drawing/2014/main" val="20002"/>
+                    </a:ext>
+                  </a:extLst>
+                </a:gridCol>
+                <a:gridCol w="1584176">
+                  <a:extLst>
+                    <a:ext uri="{9D8B030D-6E8A-4147-A177-3AD203B41FA5}">
+                      <a16:colId xmlns:a16="http://schemas.microsoft.com/office/drawing/2014/main" val="20003"/>
+                    </a:ext>
+                  </a:extLst>
+                </a:gridCol>
               </a:tblGrid>
               <a:tr h="549879">
                 <a:tc>
@@ -45622,6 +45921,11 @@
                     </a:solidFill>
                   </a:tcPr>
                 </a:tc>
+                <a:extLst>
+                  <a:ext uri="{0D108BD9-81ED-4DB2-BD59-A6C34878D82A}">
+                    <a16:rowId xmlns:a16="http://schemas.microsoft.com/office/drawing/2014/main" val="10000"/>
+                  </a:ext>
+                </a:extLst>
               </a:tr>
               <a:tr h="314217">
                 <a:tc>
@@ -45692,6 +45996,11 @@
                     </a:solidFill>
                   </a:tcPr>
                 </a:tc>
+                <a:extLst>
+                  <a:ext uri="{0D108BD9-81ED-4DB2-BD59-A6C34878D82A}">
+                    <a16:rowId xmlns:a16="http://schemas.microsoft.com/office/drawing/2014/main" val="10001"/>
+                  </a:ext>
+                </a:extLst>
               </a:tr>
               <a:tr h="314217">
                 <a:tc>
@@ -45762,6 +46071,11 @@
                     </a:solidFill>
                   </a:tcPr>
                 </a:tc>
+                <a:extLst>
+                  <a:ext uri="{0D108BD9-81ED-4DB2-BD59-A6C34878D82A}">
+                    <a16:rowId xmlns:a16="http://schemas.microsoft.com/office/drawing/2014/main" val="10002"/>
+                  </a:ext>
+                </a:extLst>
               </a:tr>
             </a:tbl>
           </a:graphicData>
@@ -46373,23 +46687,8 @@
                 </a:solidFill>
                 <a:latin typeface="HelveticaNeueCyr" pitchFamily="50" charset="-52"/>
               </a:rPr>
-              <a:t>Проверка помещения на принадлежность к категории </a:t>
-            </a:r>
-            <a:r>
-              <a:rPr lang="ru-RU" sz="1050" b="1" dirty="0" smtClean="0">
-                <a:solidFill>
-                  <a:schemeClr val="accent5"/>
-                </a:solidFill>
-                <a:latin typeface="HelveticaNeueCyr" pitchFamily="50" charset="-52"/>
-              </a:rPr>
-              <a:t>В1-В4</a:t>
-            </a:r>
-            <a:endParaRPr lang="ru-RU" sz="1050" b="1" dirty="0" smtClean="0">
-              <a:solidFill>
-                <a:schemeClr val="accent5"/>
-              </a:solidFill>
-              <a:latin typeface="HelveticaNeueCyr" pitchFamily="50" charset="-52"/>
-            </a:endParaRPr>
+              <a:t>Проверка помещения на принадлежность к категории В1-В4</a:t>
+            </a:r>
           </a:p>
         </p:txBody>
       </p:sp>
@@ -47030,7 +47329,7 @@
           <a:graphicData uri="http://schemas.openxmlformats.org/presentationml/2006/ole">
             <mc:AlternateContent xmlns:mc="http://schemas.openxmlformats.org/markup-compatibility/2006">
               <mc:Choice xmlns:v="urn:schemas-microsoft-com:vml" Requires="v">
-                <p:oleObj spid="_x0000_s1047" name="Формула" r:id="rId5" imgW="228600" imgH="253800" progId="Equation.3">
+                <p:oleObj spid="_x0000_s1051" name="Формула" r:id="rId5" imgW="228600" imgH="253800" progId="Equation.3">
                   <p:embed/>
                 </p:oleObj>
               </mc:Choice>
@@ -48651,10 +48950,34 @@
                 <a:tableStyleId>{5C22544A-7EE6-4342-B048-85BDC9FD1C3A}</a:tableStyleId>
               </a:tblPr>
               <a:tblGrid>
-                <a:gridCol w="1584176"/>
-                <a:gridCol w="1584176"/>
-                <a:gridCol w="1584176"/>
-                <a:gridCol w="1584176"/>
+                <a:gridCol w="1584176">
+                  <a:extLst>
+                    <a:ext uri="{9D8B030D-6E8A-4147-A177-3AD203B41FA5}">
+                      <a16:colId xmlns:a16="http://schemas.microsoft.com/office/drawing/2014/main" val="20000"/>
+                    </a:ext>
+                  </a:extLst>
+                </a:gridCol>
+                <a:gridCol w="1584176">
+                  <a:extLst>
+                    <a:ext uri="{9D8B030D-6E8A-4147-A177-3AD203B41FA5}">
+                      <a16:colId xmlns:a16="http://schemas.microsoft.com/office/drawing/2014/main" val="20001"/>
+                    </a:ext>
+                  </a:extLst>
+                </a:gridCol>
+                <a:gridCol w="1584176">
+                  <a:extLst>
+                    <a:ext uri="{9D8B030D-6E8A-4147-A177-3AD203B41FA5}">
+                      <a16:colId xmlns:a16="http://schemas.microsoft.com/office/drawing/2014/main" val="20002"/>
+                    </a:ext>
+                  </a:extLst>
+                </a:gridCol>
+                <a:gridCol w="1584176">
+                  <a:extLst>
+                    <a:ext uri="{9D8B030D-6E8A-4147-A177-3AD203B41FA5}">
+                      <a16:colId xmlns:a16="http://schemas.microsoft.com/office/drawing/2014/main" val="20003"/>
+                    </a:ext>
+                  </a:extLst>
+                </a:gridCol>
               </a:tblGrid>
               <a:tr h="549879">
                 <a:tc>
@@ -49007,6 +49330,11 @@
                     </a:solidFill>
                   </a:tcPr>
                 </a:tc>
+                <a:extLst>
+                  <a:ext uri="{0D108BD9-81ED-4DB2-BD59-A6C34878D82A}">
+                    <a16:rowId xmlns:a16="http://schemas.microsoft.com/office/drawing/2014/main" val="10000"/>
+                  </a:ext>
+                </a:extLst>
               </a:tr>
               <a:tr h="314217">
                 <a:tc>
@@ -49077,6 +49405,11 @@
                     </a:solidFill>
                   </a:tcPr>
                 </a:tc>
+                <a:extLst>
+                  <a:ext uri="{0D108BD9-81ED-4DB2-BD59-A6C34878D82A}">
+                    <a16:rowId xmlns:a16="http://schemas.microsoft.com/office/drawing/2014/main" val="10001"/>
+                  </a:ext>
+                </a:extLst>
               </a:tr>
               <a:tr h="314217">
                 <a:tc>
@@ -49147,6 +49480,11 @@
                     </a:solidFill>
                   </a:tcPr>
                 </a:tc>
+                <a:extLst>
+                  <a:ext uri="{0D108BD9-81ED-4DB2-BD59-A6C34878D82A}">
+                    <a16:rowId xmlns:a16="http://schemas.microsoft.com/office/drawing/2014/main" val="10002"/>
+                  </a:ext>
+                </a:extLst>
               </a:tr>
             </a:tbl>
           </a:graphicData>
@@ -49758,23 +50096,8 @@
                 </a:solidFill>
                 <a:latin typeface="HelveticaNeueCyr" pitchFamily="50" charset="-52"/>
               </a:rPr>
-              <a:t>Проверка помещения на принадлежность к категории </a:t>
-            </a:r>
-            <a:r>
-              <a:rPr lang="ru-RU" sz="1050" b="1" dirty="0" smtClean="0">
-                <a:solidFill>
-                  <a:schemeClr val="accent5"/>
-                </a:solidFill>
-                <a:latin typeface="HelveticaNeueCyr" pitchFamily="50" charset="-52"/>
-              </a:rPr>
-              <a:t>В1-В4</a:t>
-            </a:r>
-            <a:endParaRPr lang="ru-RU" sz="1050" b="1" dirty="0" smtClean="0">
-              <a:solidFill>
-                <a:schemeClr val="accent5"/>
-              </a:solidFill>
-              <a:latin typeface="HelveticaNeueCyr" pitchFamily="50" charset="-52"/>
-            </a:endParaRPr>
+              <a:t>Проверка помещения на принадлежность к категории В1-В4</a:t>
+            </a:r>
           </a:p>
         </p:txBody>
       </p:sp>
@@ -50426,7 +50749,7 @@
           <a:graphicData uri="http://schemas.openxmlformats.org/presentationml/2006/ole">
             <mc:AlternateContent xmlns:mc="http://schemas.openxmlformats.org/markup-compatibility/2006">
               <mc:Choice xmlns:v="urn:schemas-microsoft-com:vml" Requires="v">
-                <p:oleObj spid="_x0000_s2058" name="Формула" r:id="rId5" imgW="228600" imgH="253800" progId="Equation.3">
+                <p:oleObj spid="_x0000_s2062" name="Формула" r:id="rId5" imgW="228600" imgH="253800" progId="Equation.3">
                   <p:embed/>
                 </p:oleObj>
               </mc:Choice>
@@ -52137,14 +52460,6 @@
               </a:rPr>
               <a:t>м</a:t>
             </a:r>
-            <a:endParaRPr lang="ru-RU" sz="900" dirty="0" smtClean="0">
-              <a:solidFill>
-                <a:schemeClr val="bg1">
-                  <a:lumMod val="65000"/>
-                </a:schemeClr>
-              </a:solidFill>
-              <a:latin typeface="HelveticaNeueCyr" pitchFamily="50" charset="-52"/>
-            </a:endParaRPr>
           </a:p>
         </p:txBody>
       </p:sp>
@@ -52927,14 +53242,6 @@
               </a:rPr>
               <a:t>м</a:t>
             </a:r>
-            <a:endParaRPr lang="ru-RU" sz="900" dirty="0" smtClean="0">
-              <a:solidFill>
-                <a:schemeClr val="bg1">
-                  <a:lumMod val="65000"/>
-                </a:schemeClr>
-              </a:solidFill>
-              <a:latin typeface="HelveticaNeueCyr" pitchFamily="50" charset="-52"/>
-            </a:endParaRPr>
           </a:p>
         </p:txBody>
       </p:sp>
@@ -53522,10 +53829,34 @@
                 <a:tableStyleId>{5C22544A-7EE6-4342-B048-85BDC9FD1C3A}</a:tableStyleId>
               </a:tblPr>
               <a:tblGrid>
-                <a:gridCol w="1584176"/>
-                <a:gridCol w="1584176"/>
-                <a:gridCol w="1584176"/>
-                <a:gridCol w="1584176"/>
+                <a:gridCol w="1584176">
+                  <a:extLst>
+                    <a:ext uri="{9D8B030D-6E8A-4147-A177-3AD203B41FA5}">
+                      <a16:colId xmlns:a16="http://schemas.microsoft.com/office/drawing/2014/main" val="20000"/>
+                    </a:ext>
+                  </a:extLst>
+                </a:gridCol>
+                <a:gridCol w="1584176">
+                  <a:extLst>
+                    <a:ext uri="{9D8B030D-6E8A-4147-A177-3AD203B41FA5}">
+                      <a16:colId xmlns:a16="http://schemas.microsoft.com/office/drawing/2014/main" val="20001"/>
+                    </a:ext>
+                  </a:extLst>
+                </a:gridCol>
+                <a:gridCol w="1584176">
+                  <a:extLst>
+                    <a:ext uri="{9D8B030D-6E8A-4147-A177-3AD203B41FA5}">
+                      <a16:colId xmlns:a16="http://schemas.microsoft.com/office/drawing/2014/main" val="20002"/>
+                    </a:ext>
+                  </a:extLst>
+                </a:gridCol>
+                <a:gridCol w="1584176">
+                  <a:extLst>
+                    <a:ext uri="{9D8B030D-6E8A-4147-A177-3AD203B41FA5}">
+                      <a16:colId xmlns:a16="http://schemas.microsoft.com/office/drawing/2014/main" val="20003"/>
+                    </a:ext>
+                  </a:extLst>
+                </a:gridCol>
               </a:tblGrid>
               <a:tr h="549879">
                 <a:tc>
@@ -53878,6 +54209,11 @@
                     </a:solidFill>
                   </a:tcPr>
                 </a:tc>
+                <a:extLst>
+                  <a:ext uri="{0D108BD9-81ED-4DB2-BD59-A6C34878D82A}">
+                    <a16:rowId xmlns:a16="http://schemas.microsoft.com/office/drawing/2014/main" val="10000"/>
+                  </a:ext>
+                </a:extLst>
               </a:tr>
               <a:tr h="314217">
                 <a:tc>
@@ -53948,6 +54284,11 @@
                     </a:solidFill>
                   </a:tcPr>
                 </a:tc>
+                <a:extLst>
+                  <a:ext uri="{0D108BD9-81ED-4DB2-BD59-A6C34878D82A}">
+                    <a16:rowId xmlns:a16="http://schemas.microsoft.com/office/drawing/2014/main" val="10001"/>
+                  </a:ext>
+                </a:extLst>
               </a:tr>
               <a:tr h="314217">
                 <a:tc>
@@ -54018,6 +54359,11 @@
                     </a:solidFill>
                   </a:tcPr>
                 </a:tc>
+                <a:extLst>
+                  <a:ext uri="{0D108BD9-81ED-4DB2-BD59-A6C34878D82A}">
+                    <a16:rowId xmlns:a16="http://schemas.microsoft.com/office/drawing/2014/main" val="10002"/>
+                  </a:ext>
+                </a:extLst>
               </a:tr>
             </a:tbl>
           </a:graphicData>
@@ -54629,23 +54975,8 @@
                 </a:solidFill>
                 <a:latin typeface="HelveticaNeueCyr" pitchFamily="50" charset="-52"/>
               </a:rPr>
-              <a:t>Проверка помещения на принадлежность к категории </a:t>
-            </a:r>
-            <a:r>
-              <a:rPr lang="ru-RU" sz="1050" b="1" dirty="0" smtClean="0">
-                <a:solidFill>
-                  <a:schemeClr val="accent5"/>
-                </a:solidFill>
-                <a:latin typeface="HelveticaNeueCyr" pitchFamily="50" charset="-52"/>
-              </a:rPr>
-              <a:t>В1-В4</a:t>
-            </a:r>
-            <a:endParaRPr lang="ru-RU" sz="1050" b="1" dirty="0" smtClean="0">
-              <a:solidFill>
-                <a:schemeClr val="accent5"/>
-              </a:solidFill>
-              <a:latin typeface="HelveticaNeueCyr" pitchFamily="50" charset="-52"/>
-            </a:endParaRPr>
+              <a:t>Проверка помещения на принадлежность к категории В1-В4</a:t>
+            </a:r>
           </a:p>
         </p:txBody>
       </p:sp>
@@ -55286,7 +55617,7 @@
           <a:graphicData uri="http://schemas.openxmlformats.org/presentationml/2006/ole">
             <mc:AlternateContent xmlns:mc="http://schemas.openxmlformats.org/markup-compatibility/2006">
               <mc:Choice xmlns:v="urn:schemas-microsoft-com:vml" Requires="v">
-                <p:oleObj spid="_x0000_s3081" name="Формула" r:id="rId6" imgW="228600" imgH="253800" progId="Equation.3">
+                <p:oleObj spid="_x0000_s3085" name="Формула" r:id="rId6" imgW="228600" imgH="253800" progId="Equation.3">
                   <p:embed/>
                 </p:oleObj>
               </mc:Choice>
@@ -57876,14 +58207,6 @@
               </a:rPr>
               <a:t>м</a:t>
             </a:r>
-            <a:endParaRPr lang="ru-RU" sz="900" dirty="0" smtClean="0">
-              <a:solidFill>
-                <a:schemeClr val="bg1">
-                  <a:lumMod val="65000"/>
-                </a:schemeClr>
-              </a:solidFill>
-              <a:latin typeface="HelveticaNeueCyr" pitchFamily="50" charset="-52"/>
-            </a:endParaRPr>
           </a:p>
         </p:txBody>
       </p:sp>
@@ -58118,7 +58441,7 @@
         <a:sysClr val="windowText" lastClr="000000"/>
       </a:dk1>
       <a:lt1>
-        <a:sysClr val="window" lastClr="F4F4F4"/>
+        <a:sysClr val="window" lastClr="FFFFFF"/>
       </a:lt1>
       <a:dk2>
         <a:srgbClr val="1F497D"/>
@@ -58401,7 +58724,7 @@
         <a:sysClr val="windowText" lastClr="000000"/>
       </a:dk1>
       <a:lt1>
-        <a:sysClr val="window" lastClr="F4F4F4"/>
+        <a:sysClr val="window" lastClr="FFFFFF"/>
       </a:lt1>
       <a:dk2>
         <a:srgbClr val="1F497D"/>
